--- a/slides/0329Recitation.pptx
+++ b/slides/0329Recitation.pptx
@@ -211,7 +211,7 @@
           <a:p>
             <a:fld id="{4B2C3995-10D3-7249-9CF2-C18001382AD9}" type="datetimeFigureOut">
               <a:rPr lang="en-US" smtClean="0"/>
-              <a:t>3/28/22</a:t>
+              <a:t>3/29/22</a:t>
             </a:fld>
             <a:endParaRPr lang="en-US"/>
           </a:p>
@@ -664,7 +664,7 @@
           <a:p>
             <a:fld id="{4AAD347D-5ACD-4C99-B74B-A9C85AD731AF}" type="datetimeFigureOut">
               <a:rPr lang="en-US" dirty="0"/>
-              <a:t>3/28/22</a:t>
+              <a:t>3/29/22</a:t>
             </a:fld>
             <a:endParaRPr lang="en-US" dirty="0"/>
           </a:p>
@@ -934,7 +934,7 @@
           <a:p>
             <a:fld id="{4509A250-FF31-4206-8172-F9D3106AACB1}" type="datetimeFigureOut">
               <a:rPr lang="en-US" dirty="0"/>
-              <a:t>3/28/22</a:t>
+              <a:t>3/29/22</a:t>
             </a:fld>
             <a:endParaRPr lang="en-US" dirty="0"/>
           </a:p>
@@ -1123,7 +1123,7 @@
           <a:p>
             <a:fld id="{4509A250-FF31-4206-8172-F9D3106AACB1}" type="datetimeFigureOut">
               <a:rPr lang="en-US" dirty="0"/>
-              <a:t>3/28/22</a:t>
+              <a:t>3/29/22</a:t>
             </a:fld>
             <a:endParaRPr lang="en-US" dirty="0"/>
           </a:p>
@@ -1391,7 +1391,7 @@
           <a:p>
             <a:fld id="{4509A250-FF31-4206-8172-F9D3106AACB1}" type="datetimeFigureOut">
               <a:rPr lang="en-US" dirty="0"/>
-              <a:t>3/28/22</a:t>
+              <a:t>3/29/22</a:t>
             </a:fld>
             <a:endParaRPr lang="en-US" dirty="0"/>
           </a:p>
@@ -1727,7 +1727,7 @@
           <a:p>
             <a:fld id="{4509A250-FF31-4206-8172-F9D3106AACB1}" type="datetimeFigureOut">
               <a:rPr lang="en-US" dirty="0"/>
-              <a:t>3/28/22</a:t>
+              <a:t>3/29/22</a:t>
             </a:fld>
             <a:endParaRPr lang="en-US" dirty="0"/>
           </a:p>
@@ -2345,7 +2345,7 @@
           <a:p>
             <a:fld id="{4509A250-FF31-4206-8172-F9D3106AACB1}" type="datetimeFigureOut">
               <a:rPr lang="en-US" dirty="0"/>
-              <a:t>3/28/22</a:t>
+              <a:t>3/29/22</a:t>
             </a:fld>
             <a:endParaRPr lang="en-US" dirty="0"/>
           </a:p>
@@ -3200,7 +3200,7 @@
           <a:p>
             <a:fld id="{4509A250-FF31-4206-8172-F9D3106AACB1}" type="datetimeFigureOut">
               <a:rPr lang="en-US" dirty="0"/>
-              <a:t>3/28/22</a:t>
+              <a:t>3/29/22</a:t>
             </a:fld>
             <a:endParaRPr lang="en-US" dirty="0"/>
           </a:p>
@@ -3365,7 +3365,7 @@
           <a:p>
             <a:fld id="{4509A250-FF31-4206-8172-F9D3106AACB1}" type="datetimeFigureOut">
               <a:rPr lang="en-US" dirty="0"/>
-              <a:t>3/28/22</a:t>
+              <a:t>3/29/22</a:t>
             </a:fld>
             <a:endParaRPr lang="en-US" dirty="0"/>
           </a:p>
@@ -3540,7 +3540,7 @@
           <a:p>
             <a:fld id="{4509A250-FF31-4206-8172-F9D3106AACB1}" type="datetimeFigureOut">
               <a:rPr lang="en-US" dirty="0"/>
-              <a:t>3/28/22</a:t>
+              <a:t>3/29/22</a:t>
             </a:fld>
             <a:endParaRPr lang="en-US" dirty="0"/>
           </a:p>
@@ -3705,7 +3705,7 @@
           <a:p>
             <a:fld id="{4509A250-FF31-4206-8172-F9D3106AACB1}" type="datetimeFigureOut">
               <a:rPr lang="en-US" dirty="0"/>
-              <a:t>3/28/22</a:t>
+              <a:t>3/29/22</a:t>
             </a:fld>
             <a:endParaRPr lang="en-US" dirty="0"/>
           </a:p>
@@ -3947,7 +3947,7 @@
           <a:p>
             <a:fld id="{9796027F-7875-4030-9381-8BD8C4F21935}" type="datetimeFigureOut">
               <a:rPr lang="en-US" dirty="0"/>
-              <a:t>3/28/22</a:t>
+              <a:t>3/29/22</a:t>
             </a:fld>
             <a:endParaRPr lang="en-US" dirty="0"/>
           </a:p>
@@ -4234,7 +4234,7 @@
           <a:p>
             <a:fld id="{9796027F-7875-4030-9381-8BD8C4F21935}" type="datetimeFigureOut">
               <a:rPr lang="en-US" dirty="0"/>
-              <a:t>3/28/22</a:t>
+              <a:t>3/29/22</a:t>
             </a:fld>
             <a:endParaRPr lang="en-US" dirty="0"/>
           </a:p>
@@ -4673,7 +4673,7 @@
           <a:p>
             <a:fld id="{9796027F-7875-4030-9381-8BD8C4F21935}" type="datetimeFigureOut">
               <a:rPr lang="en-US" dirty="0"/>
-              <a:t>3/28/22</a:t>
+              <a:t>3/29/22</a:t>
             </a:fld>
             <a:endParaRPr lang="en-US" dirty="0"/>
           </a:p>
@@ -4786,7 +4786,7 @@
           <a:p>
             <a:fld id="{4509A250-FF31-4206-8172-F9D3106AACB1}" type="datetimeFigureOut">
               <a:rPr lang="en-US" dirty="0"/>
-              <a:t>3/28/22</a:t>
+              <a:t>3/29/22</a:t>
             </a:fld>
             <a:endParaRPr lang="en-US" dirty="0"/>
           </a:p>
@@ -4876,7 +4876,7 @@
           <a:p>
             <a:fld id="{4509A250-FF31-4206-8172-F9D3106AACB1}" type="datetimeFigureOut">
               <a:rPr lang="en-US" dirty="0"/>
-              <a:t>3/28/22</a:t>
+              <a:t>3/29/22</a:t>
             </a:fld>
             <a:endParaRPr lang="en-US" dirty="0"/>
           </a:p>
@@ -5150,7 +5150,7 @@
           <a:p>
             <a:fld id="{4509A250-FF31-4206-8172-F9D3106AACB1}" type="datetimeFigureOut">
               <a:rPr lang="en-US" dirty="0"/>
-              <a:t>3/28/22</a:t>
+              <a:t>3/29/22</a:t>
             </a:fld>
             <a:endParaRPr lang="en-US" dirty="0"/>
           </a:p>
@@ -5420,7 +5420,7 @@
           <a:p>
             <a:fld id="{4509A250-FF31-4206-8172-F9D3106AACB1}" type="datetimeFigureOut">
               <a:rPr lang="en-US" dirty="0"/>
-              <a:t>3/28/22</a:t>
+              <a:t>3/29/22</a:t>
             </a:fld>
             <a:endParaRPr lang="en-US" dirty="0"/>
           </a:p>
@@ -5844,7 +5844,7 @@
           <a:p>
             <a:fld id="{4AAD347D-5ACD-4C99-B74B-A9C85AD731AF}" type="datetimeFigureOut">
               <a:rPr lang="en-US" dirty="0"/>
-              <a:t>3/28/22</a:t>
+              <a:t>3/29/22</a:t>
             </a:fld>
             <a:endParaRPr lang="en-US" dirty="0"/>
           </a:p>
